--- a/WebLecture/Lecture7-Javascript2.pptx
+++ b/WebLecture/Lecture7-Javascript2.pptx
@@ -226,7 +226,7 @@
             <a:fld id="{8BEFEC64-3B02-48AC-B709-B2823D518D38}" type="datetimeFigureOut">
               <a:rPr lang="zh-CN" altLang="en-US" smtClean="0"/>
               <a:pPr/>
-              <a:t>2021/5/22</a:t>
+              <a:t>2022/1/8</a:t>
             </a:fld>
             <a:endParaRPr lang="zh-CN" altLang="en-US" dirty="0"/>
           </a:p>
@@ -627,7 +627,7 @@
           <a:p>
             <a:fld id="{82F288E0-7875-42C4-84C8-98DBBD3BF4D2}" type="datetimeFigureOut">
               <a:rPr lang="zh-CN" altLang="en-US" smtClean="0"/>
-              <a:t>2021/5/22</a:t>
+              <a:t>2022/1/8</a:t>
             </a:fld>
             <a:endParaRPr lang="zh-CN" altLang="en-US"/>
           </a:p>
@@ -773,7 +773,7 @@
           <a:p>
             <a:fld id="{82F288E0-7875-42C4-84C8-98DBBD3BF4D2}" type="datetimeFigureOut">
               <a:rPr lang="zh-CN" altLang="en-US" smtClean="0"/>
-              <a:t>2021/5/22</a:t>
+              <a:t>2022/1/8</a:t>
             </a:fld>
             <a:endParaRPr lang="zh-CN" altLang="en-US"/>
           </a:p>
@@ -936,7 +936,7 @@
           <a:p>
             <a:fld id="{82F288E0-7875-42C4-84C8-98DBBD3BF4D2}" type="datetimeFigureOut">
               <a:rPr lang="zh-CN" altLang="en-US" smtClean="0"/>
-              <a:t>2021/5/22</a:t>
+              <a:t>2022/1/8</a:t>
             </a:fld>
             <a:endParaRPr lang="zh-CN" altLang="en-US"/>
           </a:p>
@@ -1176,7 +1176,7 @@
           <a:p>
             <a:fld id="{82F288E0-7875-42C4-84C8-98DBBD3BF4D2}" type="datetimeFigureOut">
               <a:rPr lang="zh-CN" altLang="en-US" smtClean="0"/>
-              <a:t>2021/5/22</a:t>
+              <a:t>2022/1/8</a:t>
             </a:fld>
             <a:endParaRPr lang="zh-CN" altLang="en-US"/>
           </a:p>
@@ -1400,7 +1400,7 @@
           <a:p>
             <a:fld id="{82F288E0-7875-42C4-84C8-98DBBD3BF4D2}" type="datetimeFigureOut">
               <a:rPr lang="zh-CN" altLang="en-US" smtClean="0"/>
-              <a:t>2021/5/22</a:t>
+              <a:t>2022/1/8</a:t>
             </a:fld>
             <a:endParaRPr lang="zh-CN" altLang="en-US"/>
           </a:p>
@@ -1759,7 +1759,7 @@
           <a:p>
             <a:fld id="{82F288E0-7875-42C4-84C8-98DBBD3BF4D2}" type="datetimeFigureOut">
               <a:rPr lang="zh-CN" altLang="en-US" smtClean="0"/>
-              <a:t>2021/5/22</a:t>
+              <a:t>2022/1/8</a:t>
             </a:fld>
             <a:endParaRPr lang="zh-CN" altLang="en-US"/>
           </a:p>
@@ -1871,7 +1871,7 @@
           <a:p>
             <a:fld id="{82F288E0-7875-42C4-84C8-98DBBD3BF4D2}" type="datetimeFigureOut">
               <a:rPr lang="zh-CN" altLang="en-US" smtClean="0"/>
-              <a:t>2021/5/22</a:t>
+              <a:t>2022/1/8</a:t>
             </a:fld>
             <a:endParaRPr lang="zh-CN" altLang="en-US"/>
           </a:p>
@@ -1961,7 +1961,7 @@
           <a:p>
             <a:fld id="{82F288E0-7875-42C4-84C8-98DBBD3BF4D2}" type="datetimeFigureOut">
               <a:rPr lang="zh-CN" altLang="en-US" smtClean="0"/>
-              <a:t>2021/5/22</a:t>
+              <a:t>2022/1/8</a:t>
             </a:fld>
             <a:endParaRPr lang="zh-CN" altLang="en-US"/>
           </a:p>
@@ -2208,7 +2208,7 @@
           <a:p>
             <a:fld id="{82F288E0-7875-42C4-84C8-98DBBD3BF4D2}" type="datetimeFigureOut">
               <a:rPr lang="zh-CN" altLang="en-US" smtClean="0"/>
-              <a:t>2021/5/22</a:t>
+              <a:t>2022/1/8</a:t>
             </a:fld>
             <a:endParaRPr lang="zh-CN" altLang="en-US"/>
           </a:p>
@@ -2381,7 +2381,7 @@
           <a:p>
             <a:fld id="{82F288E0-7875-42C4-84C8-98DBBD3BF4D2}" type="datetimeFigureOut">
               <a:rPr lang="zh-CN" altLang="en-US" smtClean="0"/>
-              <a:t>2021/5/22</a:t>
+              <a:t>2022/1/8</a:t>
             </a:fld>
             <a:endParaRPr lang="zh-CN" altLang="en-US"/>
           </a:p>
@@ -2595,7 +2595,7 @@
             <a:fld id="{82F288E0-7875-42C4-84C8-98DBBD3BF4D2}" type="datetimeFigureOut">
               <a:rPr lang="zh-CN" altLang="en-US" smtClean="0"/>
               <a:pPr/>
-              <a:t>2021/5/22</a:t>
+              <a:t>2022/1/8</a:t>
             </a:fld>
             <a:endParaRPr lang="zh-CN" altLang="en-US" dirty="0"/>
           </a:p>
@@ -3815,8 +3815,23 @@
                 </a:solidFill>
                 <a:effectLst/>
               </a:rPr>
-              <a:t>Names can also begin with $ and _ (but we will not use it in this tutorial)</a:t>
-            </a:r>
+              <a:t>Names can also begin with $ and </a:t>
+            </a:r>
+            <a:r>
+              <a:rPr lang="en-US" sz="2400" b="0" i="0">
+                <a:solidFill>
+                  <a:schemeClr val="bg1"/>
+                </a:solidFill>
+                <a:effectLst/>
+              </a:rPr>
+              <a:t>_ </a:t>
+            </a:r>
+            <a:endParaRPr lang="en-US" sz="2400" b="0" i="0" dirty="0">
+              <a:solidFill>
+                <a:schemeClr val="bg1"/>
+              </a:solidFill>
+              <a:effectLst/>
+            </a:endParaRPr>
           </a:p>
           <a:p>
             <a:pPr marL="342900" indent="-342900" algn="l">
